--- a/cs564_fall17/slides/lecture6-normalization1.pptx
+++ b/cs564_fall17/slides/lecture6-normalization1.pptx
@@ -284,7 +284,7 @@
           <a:p>
             <a:fld id="{8D988CE0-5C07-A148-A19B-7D9A2B09F0BD}" type="datetimeFigureOut">
               <a:rPr lang="en-US" smtClean="0"/>
-              <a:t>9/27/17</a:t>
+              <a:t>10/13/17</a:t>
             </a:fld>
             <a:endParaRPr lang="en-US"/>
           </a:p>
@@ -3287,7 +3287,7 @@
           <a:p>
             <a:fld id="{8F6F5E15-0E5F-BE41-8FE8-991AB5EDF6ED}" type="datetime1">
               <a:rPr lang="en-US" smtClean="0"/>
-              <a:t>9/27/17</a:t>
+              <a:t>10/13/17</a:t>
             </a:fld>
             <a:endParaRPr lang="en-US"/>
           </a:p>
@@ -3463,7 +3463,7 @@
           <a:p>
             <a:fld id="{C9592B32-B441-224A-9E1E-E4AE7A4B7707}" type="datetime1">
               <a:rPr lang="en-US" smtClean="0"/>
-              <a:t>9/27/17</a:t>
+              <a:t>10/13/17</a:t>
             </a:fld>
             <a:endParaRPr lang="en-US"/>
           </a:p>
@@ -3642,7 +3642,7 @@
           <a:p>
             <a:fld id="{1B29D1A3-AEA7-974A-BF93-443F941EAA55}" type="datetime1">
               <a:rPr lang="en-US" smtClean="0"/>
-              <a:t>9/27/17</a:t>
+              <a:t>10/13/17</a:t>
             </a:fld>
             <a:endParaRPr lang="en-US"/>
           </a:p>
@@ -3815,7 +3815,7 @@
           <a:p>
             <a:fld id="{169021DC-0885-1D4E-AFF9-606D9C7382F9}" type="datetime1">
               <a:rPr lang="en-US" smtClean="0"/>
-              <a:t>9/27/17</a:t>
+              <a:t>10/13/17</a:t>
             </a:fld>
             <a:endParaRPr lang="en-US"/>
           </a:p>
@@ -4096,7 +4096,7 @@
           <a:p>
             <a:fld id="{E8E99FC4-F9B4-044E-A719-D8CBABB6191D}" type="datetime1">
               <a:rPr lang="en-US" smtClean="0"/>
-              <a:t>9/27/17</a:t>
+              <a:t>10/13/17</a:t>
             </a:fld>
             <a:endParaRPr lang="en-US"/>
           </a:p>
@@ -4327,7 +4327,7 @@
           <a:p>
             <a:fld id="{B2746E3F-5155-F647-9A84-9C9FE91520EF}" type="datetime1">
               <a:rPr lang="en-US" smtClean="0"/>
-              <a:t>9/27/17</a:t>
+              <a:t>10/13/17</a:t>
             </a:fld>
             <a:endParaRPr lang="en-US"/>
           </a:p>
@@ -4693,7 +4693,7 @@
           <a:p>
             <a:fld id="{DE8C0F79-C570-6741-BEBC-5ED2133D5FC8}" type="datetime1">
               <a:rPr lang="en-US" smtClean="0"/>
-              <a:t>9/27/17</a:t>
+              <a:t>10/13/17</a:t>
             </a:fld>
             <a:endParaRPr lang="en-US"/>
           </a:p>
@@ -4810,7 +4810,7 @@
           <a:p>
             <a:fld id="{C50AF8F5-25F8-CA4C-8243-C6FF8D56500C}" type="datetime1">
               <a:rPr lang="en-US" smtClean="0"/>
-              <a:t>9/27/17</a:t>
+              <a:t>10/13/17</a:t>
             </a:fld>
             <a:endParaRPr lang="en-US"/>
           </a:p>
@@ -4904,7 +4904,7 @@
           <a:p>
             <a:fld id="{BF6D6B67-1C69-FE4D-A3B2-0216E09FBF77}" type="datetime1">
               <a:rPr lang="en-US" smtClean="0"/>
-              <a:t>9/27/17</a:t>
+              <a:t>10/13/17</a:t>
             </a:fld>
             <a:endParaRPr lang="en-US"/>
           </a:p>
@@ -5180,7 +5180,7 @@
           <a:p>
             <a:fld id="{502991AC-CB99-0A47-A3A3-3DF8608593C2}" type="datetime1">
               <a:rPr lang="en-US" smtClean="0"/>
-              <a:t>9/27/17</a:t>
+              <a:t>10/13/17</a:t>
             </a:fld>
             <a:endParaRPr lang="en-US"/>
           </a:p>
@@ -5436,7 +5436,7 @@
           <a:p>
             <a:fld id="{94F03615-15E4-A841-9AE6-1203BB06290E}" type="datetime1">
               <a:rPr lang="en-US" smtClean="0"/>
-              <a:t>9/27/17</a:t>
+              <a:t>10/13/17</a:t>
             </a:fld>
             <a:endParaRPr lang="en-US"/>
           </a:p>
@@ -5656,7 +5656,7 @@
           <a:p>
             <a:fld id="{8A9230D8-16C1-BF43-B0EE-1A85400C842B}" type="datetime1">
               <a:rPr lang="en-US" smtClean="0"/>
-              <a:t>9/27/17</a:t>
+              <a:t>10/13/17</a:t>
             </a:fld>
             <a:endParaRPr lang="en-US"/>
           </a:p>
@@ -6249,78 +6249,7 @@
   <p:timing>
     <p:tnLst>
       <p:par>
-        <p:cTn id="1" dur="indefinite" restart="never" nodeType="tmRoot">
-          <p:childTnLst>
-            <p:seq concurrent="1" nextAc="seek">
-              <p:cTn id="2" dur="indefinite" nodeType="mainSeq">
-                <p:childTnLst>
-                  <p:par>
-                    <p:cTn id="3" fill="hold">
-                      <p:stCondLst>
-                        <p:cond delay="indefinite"/>
-                        <p:cond evt="onBegin" delay="0">
-                          <p:tn val="2"/>
-                        </p:cond>
-                      </p:stCondLst>
-                      <p:childTnLst>
-                        <p:par>
-                          <p:cTn id="4" fill="hold">
-                            <p:stCondLst>
-                              <p:cond delay="0"/>
-                            </p:stCondLst>
-                            <p:childTnLst>
-                              <p:par>
-                                <p:cTn id="5" presetID="1" presetClass="entr" presetSubtype="0" fill="hold" nodeType="withEffect">
-                                  <p:stCondLst>
-                                    <p:cond delay="0"/>
-                                  </p:stCondLst>
-                                  <p:childTnLst>
-                                    <p:set>
-                                      <p:cBhvr>
-                                        <p:cTn id="6" dur="1" fill="hold">
-                                          <p:stCondLst>
-                                            <p:cond delay="0"/>
-                                          </p:stCondLst>
-                                        </p:cTn>
-                                        <p:tgtEl>
-                                          <p:spTgt spid="6"/>
-                                        </p:tgtEl>
-                                        <p:attrNameLst>
-                                          <p:attrName>style.visibility</p:attrName>
-                                        </p:attrNameLst>
-                                      </p:cBhvr>
-                                      <p:to>
-                                        <p:strVal val="visible"/>
-                                      </p:to>
-                                    </p:set>
-                                  </p:childTnLst>
-                                </p:cTn>
-                              </p:par>
-                            </p:childTnLst>
-                          </p:cTn>
-                        </p:par>
-                      </p:childTnLst>
-                    </p:cTn>
-                  </p:par>
-                </p:childTnLst>
-              </p:cTn>
-              <p:prevCondLst>
-                <p:cond evt="onPrev" delay="0">
-                  <p:tgtEl>
-                    <p:sldTgt/>
-                  </p:tgtEl>
-                </p:cond>
-              </p:prevCondLst>
-              <p:nextCondLst>
-                <p:cond evt="onNext" delay="0">
-                  <p:tgtEl>
-                    <p:sldTgt/>
-                  </p:tgtEl>
-                </p:cond>
-              </p:nextCondLst>
-            </p:seq>
-          </p:childTnLst>
-        </p:cTn>
+        <p:cTn id="1" dur="indefinite" restart="never" nodeType="tmRoot"/>
       </p:par>
     </p:tnLst>
   </p:timing>
